--- a/static/file/demo_summary.pptx
+++ b/static/file/demo_summary.pptx
@@ -200,7 +200,7 @@
           <a:p>
             <a:fld id="{99B4B8B2-AE8E-F94E-9EA5-1767F192DA17}" type="datetimeFigureOut">
               <a:rPr lang="en-US" smtClean="0"/>
-              <a:t>5/26/24</a:t>
+              <a:t>11/12/24</a:t>
             </a:fld>
             <a:endParaRPr lang="en-US"/>
           </a:p>
@@ -1158,7 +1158,7 @@
           <a:p>
             <a:fld id="{DAA16E61-B188-DF4E-8F7D-B3E64151C2B6}" type="datetime1">
               <a:rPr lang="en-US" smtClean="0"/>
-              <a:t>5/26/24</a:t>
+              <a:t>11/12/24</a:t>
             </a:fld>
             <a:endParaRPr lang="en-US"/>
           </a:p>
@@ -1356,7 +1356,7 @@
           <a:p>
             <a:fld id="{82837176-D3C4-B341-A96B-EDABCF97F6C5}" type="datetime1">
               <a:rPr lang="en-US" smtClean="0"/>
-              <a:t>5/26/24</a:t>
+              <a:t>11/12/24</a:t>
             </a:fld>
             <a:endParaRPr lang="en-US"/>
           </a:p>
@@ -1564,7 +1564,7 @@
           <a:p>
             <a:fld id="{179DFD20-F7A7-E640-9FFA-0CC148979A5D}" type="datetime1">
               <a:rPr lang="en-US" smtClean="0"/>
-              <a:t>5/26/24</a:t>
+              <a:t>11/12/24</a:t>
             </a:fld>
             <a:endParaRPr lang="en-US"/>
           </a:p>
@@ -1762,7 +1762,7 @@
           <a:p>
             <a:fld id="{CE7CDDBB-4AAB-AD4F-A76E-5D2FCDB990AC}" type="datetime1">
               <a:rPr lang="en-US" smtClean="0"/>
-              <a:t>5/26/24</a:t>
+              <a:t>11/12/24</a:t>
             </a:fld>
             <a:endParaRPr lang="en-US"/>
           </a:p>
@@ -2037,7 +2037,7 @@
           <a:p>
             <a:fld id="{88801445-4A1F-0941-B58E-B98ED6754CE2}" type="datetime1">
               <a:rPr lang="en-US" smtClean="0"/>
-              <a:t>5/26/24</a:t>
+              <a:t>11/12/24</a:t>
             </a:fld>
             <a:endParaRPr lang="en-US"/>
           </a:p>
@@ -2302,7 +2302,7 @@
           <a:p>
             <a:fld id="{7DBEA4BA-DA8B-FC4F-BDF9-AD5A64A12F81}" type="datetime1">
               <a:rPr lang="en-US" smtClean="0"/>
-              <a:t>5/26/24</a:t>
+              <a:t>11/12/24</a:t>
             </a:fld>
             <a:endParaRPr lang="en-US"/>
           </a:p>
@@ -2714,7 +2714,7 @@
           <a:p>
             <a:fld id="{D2A7C893-9DCD-B04A-8876-9C614BC5AA29}" type="datetime1">
               <a:rPr lang="en-US" smtClean="0"/>
-              <a:t>5/26/24</a:t>
+              <a:t>11/12/24</a:t>
             </a:fld>
             <a:endParaRPr lang="en-US"/>
           </a:p>
@@ -2855,7 +2855,7 @@
           <a:p>
             <a:fld id="{AE0BFBA2-7342-0643-B843-DE8C56A48F48}" type="datetime1">
               <a:rPr lang="en-US" smtClean="0"/>
-              <a:t>5/26/24</a:t>
+              <a:t>11/12/24</a:t>
             </a:fld>
             <a:endParaRPr lang="en-US"/>
           </a:p>
@@ -2968,7 +2968,7 @@
           <a:p>
             <a:fld id="{0DF7703C-D311-044A-B46F-DC0C56A09272}" type="datetime1">
               <a:rPr lang="en-US" smtClean="0"/>
-              <a:t>5/26/24</a:t>
+              <a:t>11/12/24</a:t>
             </a:fld>
             <a:endParaRPr lang="en-US"/>
           </a:p>
@@ -3279,7 +3279,7 @@
           <a:p>
             <a:fld id="{112CFCB8-CFD7-6141-A502-53E550B2EE61}" type="datetime1">
               <a:rPr lang="en-US" smtClean="0"/>
-              <a:t>5/26/24</a:t>
+              <a:t>11/12/24</a:t>
             </a:fld>
             <a:endParaRPr lang="en-US"/>
           </a:p>
@@ -3567,7 +3567,7 @@
           <a:p>
             <a:fld id="{AB8C5569-61FD-C94E-929F-E00CB93DC985}" type="datetime1">
               <a:rPr lang="en-US" smtClean="0"/>
-              <a:t>5/26/24</a:t>
+              <a:t>11/12/24</a:t>
             </a:fld>
             <a:endParaRPr lang="en-US"/>
           </a:p>
@@ -3808,7 +3808,7 @@
           <a:p>
             <a:fld id="{86F67CFB-02B6-D04F-BA21-C9F4352226D7}" type="datetime1">
               <a:rPr lang="en-US" smtClean="0"/>
-              <a:t>5/26/24</a:t>
+              <a:t>11/12/24</a:t>
             </a:fld>
             <a:endParaRPr lang="en-US"/>
           </a:p>
@@ -4385,36 +4385,6 @@
           </a:p>
         </p:txBody>
       </p:sp>
-      <p:pic>
-        <p:nvPicPr>
-          <p:cNvPr id="36" name="Picture 35">
-            <a:extLst>
-              <a:ext uri="{FF2B5EF4-FFF2-40B4-BE49-F238E27FC236}">
-                <a16:creationId xmlns:a16="http://schemas.microsoft.com/office/drawing/2014/main" id="{C0595BEF-0ADF-26DC-E5A5-0094DAD490AE}"/>
-              </a:ext>
-            </a:extLst>
-          </p:cNvPr>
-          <p:cNvPicPr>
-            <a:picLocks noChangeAspect="1"/>
-          </p:cNvPicPr>
-          <p:nvPr/>
-        </p:nvPicPr>
-        <p:blipFill>
-          <a:blip r:embed="rId4"/>
-          <a:stretch>
-            <a:fillRect/>
-          </a:stretch>
-        </p:blipFill>
-        <p:spPr>
-          <a:xfrm>
-            <a:off x="9738998" y="109478"/>
-            <a:ext cx="2367550" cy="849161"/>
-          </a:xfrm>
-          <a:prstGeom prst="rect">
-            <a:avLst/>
-          </a:prstGeom>
-        </p:spPr>
-      </p:pic>
       <p:sp>
         <p:nvSpPr>
           <p:cNvPr id="2" name="TextBox 1">
@@ -4430,7 +4400,7 @@
         <p:spPr>
           <a:xfrm>
             <a:off x="128216" y="3075985"/>
-            <a:ext cx="12063763" cy="1692771"/>
+            <a:ext cx="12063763" cy="2000548"/>
           </a:xfrm>
           <a:prstGeom prst="rect">
             <a:avLst/>
@@ -4710,6 +4680,44 @@
               </a:rPr>
               <a:t>Medicine</a:t>
             </a:r>
+            <a:r>
+              <a:rPr lang="zh-CN" altLang="en-US" sz="2000" dirty="0">
+                <a:solidFill>
+                  <a:schemeClr val="accent3">
+                    <a:lumMod val="20000"/>
+                    <a:lumOff val="80000"/>
+                  </a:schemeClr>
+                </a:solidFill>
+                <a:latin typeface="Helvetica" pitchFamily="2" charset="0"/>
+              </a:rPr>
+              <a:t> </a:t>
+            </a:r>
+            <a:r>
+              <a:rPr lang="en-US" altLang="zh-CN" sz="2000" dirty="0">
+                <a:solidFill>
+                  <a:schemeClr val="accent3">
+                    <a:lumMod val="20000"/>
+                    <a:lumOff val="80000"/>
+                  </a:schemeClr>
+                </a:solidFill>
+                <a:latin typeface="Helvetica" pitchFamily="2" charset="0"/>
+              </a:rPr>
+              <a:t>&amp;</a:t>
+            </a:r>
+          </a:p>
+          <a:p>
+            <a:r>
+              <a:rPr lang="en-US" altLang="zh-CN" sz="2000" dirty="0">
+                <a:solidFill>
+                  <a:schemeClr val="accent3">
+                    <a:lumMod val="20000"/>
+                    <a:lumOff val="80000"/>
+                  </a:schemeClr>
+                </a:solidFill>
+                <a:latin typeface="Helvetica" pitchFamily="2" charset="0"/>
+              </a:rPr>
+              <a:t>School of Chemistry, Chemical Engineering and Biotechnology</a:t>
+            </a:r>
           </a:p>
           <a:p>
             <a:r>
@@ -4834,7 +4842,7 @@
         </p:nvSpPr>
         <p:spPr>
           <a:xfrm>
-            <a:off x="146302" y="5011501"/>
+            <a:off x="146302" y="5197617"/>
             <a:ext cx="7735821" cy="400110"/>
           </a:xfrm>
           <a:prstGeom prst="rect">
@@ -4929,7 +4937,7 @@
           <p:nvPr/>
         </p:nvPicPr>
         <p:blipFill>
-          <a:blip r:embed="rId5"/>
+          <a:blip r:embed="rId4"/>
           <a:stretch>
             <a:fillRect/>
           </a:stretch>
@@ -4959,7 +4967,7 @@
           <p:nvPr/>
         </p:nvPicPr>
         <p:blipFill>
-          <a:blip r:embed="rId6"/>
+          <a:blip r:embed="rId5"/>
           <a:stretch>
             <a:fillRect/>
           </a:stretch>
@@ -4989,7 +4997,7 @@
           <p:nvPr/>
         </p:nvPicPr>
         <p:blipFill>
-          <a:blip r:embed="rId7"/>
+          <a:blip r:embed="rId6"/>
           <a:stretch>
             <a:fillRect/>
           </a:stretch>
@@ -5157,7 +5165,7 @@
           <p:nvPr/>
         </p:nvPicPr>
         <p:blipFill>
-          <a:blip r:embed="rId8"/>
+          <a:blip r:embed="rId7"/>
           <a:stretch>
             <a:fillRect/>
           </a:stretch>
@@ -5233,6 +5241,36 @@
           <p:nvPr/>
         </p:nvPicPr>
         <p:blipFill>
+          <a:blip r:embed="rId8"/>
+          <a:stretch>
+            <a:fillRect/>
+          </a:stretch>
+        </p:blipFill>
+        <p:spPr>
+          <a:xfrm>
+            <a:off x="7882123" y="5923993"/>
+            <a:ext cx="804602" cy="810038"/>
+          </a:xfrm>
+          <a:prstGeom prst="rect">
+            <a:avLst/>
+          </a:prstGeom>
+        </p:spPr>
+      </p:pic>
+      <p:pic>
+        <p:nvPicPr>
+          <p:cNvPr id="18" name="Picture 17">
+            <a:extLst>
+              <a:ext uri="{FF2B5EF4-FFF2-40B4-BE49-F238E27FC236}">
+                <a16:creationId xmlns:a16="http://schemas.microsoft.com/office/drawing/2014/main" id="{A2D8B1FB-8E98-E20C-979F-763591A1836F}"/>
+              </a:ext>
+            </a:extLst>
+          </p:cNvPr>
+          <p:cNvPicPr>
+            <a:picLocks noChangeAspect="1"/>
+          </p:cNvPicPr>
+          <p:nvPr/>
+        </p:nvPicPr>
+        <p:blipFill>
           <a:blip r:embed="rId9"/>
           <a:stretch>
             <a:fillRect/>
@@ -5240,8 +5278,68 @@
         </p:blipFill>
         <p:spPr>
           <a:xfrm>
-            <a:off x="6264696" y="5866352"/>
-            <a:ext cx="804602" cy="810038"/>
+            <a:off x="6197204" y="6150912"/>
+            <a:ext cx="1528051" cy="356201"/>
+          </a:xfrm>
+          <a:prstGeom prst="rect">
+            <a:avLst/>
+          </a:prstGeom>
+        </p:spPr>
+      </p:pic>
+      <p:pic>
+        <p:nvPicPr>
+          <p:cNvPr id="15" name="Picture 14">
+            <a:extLst>
+              <a:ext uri="{FF2B5EF4-FFF2-40B4-BE49-F238E27FC236}">
+                <a16:creationId xmlns:a16="http://schemas.microsoft.com/office/drawing/2014/main" id="{20527011-F50A-5AB3-7928-FD4399D01011}"/>
+              </a:ext>
+            </a:extLst>
+          </p:cNvPr>
+          <p:cNvPicPr>
+            <a:picLocks noChangeAspect="1"/>
+          </p:cNvPicPr>
+          <p:nvPr/>
+        </p:nvPicPr>
+        <p:blipFill>
+          <a:blip r:embed="rId10"/>
+          <a:stretch>
+            <a:fillRect/>
+          </a:stretch>
+        </p:blipFill>
+        <p:spPr>
+          <a:xfrm>
+            <a:off x="10167613" y="336978"/>
+            <a:ext cx="1804336" cy="647155"/>
+          </a:xfrm>
+          <a:prstGeom prst="rect">
+            <a:avLst/>
+          </a:prstGeom>
+        </p:spPr>
+      </p:pic>
+      <p:pic>
+        <p:nvPicPr>
+          <p:cNvPr id="16" name="Picture 15">
+            <a:extLst>
+              <a:ext uri="{FF2B5EF4-FFF2-40B4-BE49-F238E27FC236}">
+                <a16:creationId xmlns:a16="http://schemas.microsoft.com/office/drawing/2014/main" id="{47B3257D-5B30-12FC-BB9B-92EF2862336F}"/>
+              </a:ext>
+            </a:extLst>
+          </p:cNvPr>
+          <p:cNvPicPr>
+            <a:picLocks noChangeAspect="1"/>
+          </p:cNvPicPr>
+          <p:nvPr/>
+        </p:nvPicPr>
+        <p:blipFill>
+          <a:blip r:embed="rId9"/>
+          <a:stretch>
+            <a:fillRect/>
+          </a:stretch>
+        </p:blipFill>
+        <p:spPr>
+          <a:xfrm>
+            <a:off x="10176124" y="1135015"/>
+            <a:ext cx="1787315" cy="416637"/>
           </a:xfrm>
           <a:prstGeom prst="rect">
             <a:avLst/>
@@ -5303,48 +5401,6 @@
           <a:chExt cx="0" cy="0"/>
         </a:xfrm>
       </p:grpSpPr>
-      <p:pic>
-        <p:nvPicPr>
-          <p:cNvPr id="3" name="Picture 2">
-            <a:extLst>
-              <a:ext uri="{FF2B5EF4-FFF2-40B4-BE49-F238E27FC236}">
-                <a16:creationId xmlns:a16="http://schemas.microsoft.com/office/drawing/2014/main" id="{1304E920-235C-9E47-BF35-3D80AFA2E509}"/>
-              </a:ext>
-            </a:extLst>
-          </p:cNvPr>
-          <p:cNvPicPr>
-            <a:picLocks noChangeAspect="1"/>
-          </p:cNvPicPr>
-          <p:nvPr/>
-        </p:nvPicPr>
-        <p:blipFill>
-          <a:blip r:embed="rId3">
-            <a:extLst>
-              <a:ext uri="{BEBA8EAE-BF5A-486C-A8C5-ECC9F3942E4B}">
-                <a14:imgProps xmlns:a14="http://schemas.microsoft.com/office/drawing/2010/main">
-                  <a14:imgLayer r:embed="rId4">
-                    <a14:imgEffect>
-                      <a14:brightnessContrast bright="-40000" contrast="-40000"/>
-                    </a14:imgEffect>
-                  </a14:imgLayer>
-                </a14:imgProps>
-              </a:ext>
-            </a:extLst>
-          </a:blip>
-          <a:stretch>
-            <a:fillRect/>
-          </a:stretch>
-        </p:blipFill>
-        <p:spPr>
-          <a:xfrm>
-            <a:off x="196645" y="114704"/>
-            <a:ext cx="330583" cy="330583"/>
-          </a:xfrm>
-          <a:prstGeom prst="rect">
-            <a:avLst/>
-          </a:prstGeom>
-        </p:spPr>
-      </p:pic>
       <p:sp>
         <p:nvSpPr>
           <p:cNvPr id="8" name="TextBox 7">
@@ -5380,7 +5436,7 @@
                 </a:solidFill>
                 <a:latin typeface="Helvetica" pitchFamily="2" charset="0"/>
               </a:rPr>
-              <a:t>OUTLINE</a:t>
+              <a:t>Outline</a:t>
             </a:r>
             <a:endParaRPr lang="en-US" sz="2800" b="1" dirty="0">
               <a:solidFill>
@@ -5452,7 +5508,7 @@
                 <a:spcPts val="500"/>
               </a:spcAft>
               <a:buBlip>
-                <a:blip r:embed="rId5"/>
+                <a:blip r:embed="rId3"/>
               </a:buBlip>
             </a:pPr>
             <a:r>
@@ -5759,7 +5815,7 @@
                 <a:spcPts val="500"/>
               </a:spcAft>
               <a:buBlip>
-                <a:blip r:embed="rId5"/>
+                <a:blip r:embed="rId3"/>
               </a:buBlip>
             </a:pPr>
             <a:r>
@@ -5823,10 +5879,10 @@
       </p:sp>
       <p:pic>
         <p:nvPicPr>
-          <p:cNvPr id="2" name="Picture 1">
-            <a:extLst>
-              <a:ext uri="{FF2B5EF4-FFF2-40B4-BE49-F238E27FC236}">
-                <a16:creationId xmlns:a16="http://schemas.microsoft.com/office/drawing/2014/main" id="{76C9514E-BCBF-9416-1389-1118C9B73612}"/>
+          <p:cNvPr id="5" name="Picture 4">
+            <a:extLst>
+              <a:ext uri="{FF2B5EF4-FFF2-40B4-BE49-F238E27FC236}">
+                <a16:creationId xmlns:a16="http://schemas.microsoft.com/office/drawing/2014/main" id="{14BD3515-CE6A-E87E-879A-ADC4F3AFB4F7}"/>
               </a:ext>
             </a:extLst>
           </p:cNvPr>
@@ -5836,15 +5892,15 @@
           <p:nvPr/>
         </p:nvPicPr>
         <p:blipFill>
-          <a:blip r:embed="rId6"/>
+          <a:blip r:embed="rId4"/>
           <a:stretch>
             <a:fillRect/>
           </a:stretch>
         </p:blipFill>
         <p:spPr>
           <a:xfrm>
-            <a:off x="92666" y="6379721"/>
-            <a:ext cx="1228135" cy="440491"/>
+            <a:off x="1844310" y="6463693"/>
+            <a:ext cx="1059646" cy="247012"/>
           </a:xfrm>
           <a:prstGeom prst="rect">
             <a:avLst/>
@@ -5853,10 +5909,10 @@
       </p:pic>
       <p:pic>
         <p:nvPicPr>
-          <p:cNvPr id="4" name="Picture 3">
-            <a:extLst>
-              <a:ext uri="{FF2B5EF4-FFF2-40B4-BE49-F238E27FC236}">
-                <a16:creationId xmlns:a16="http://schemas.microsoft.com/office/drawing/2014/main" id="{DE6D2C09-6ADC-6868-534A-69B1DE4826E2}"/>
+          <p:cNvPr id="11" name="Picture 10">
+            <a:extLst>
+              <a:ext uri="{FF2B5EF4-FFF2-40B4-BE49-F238E27FC236}">
+                <a16:creationId xmlns:a16="http://schemas.microsoft.com/office/drawing/2014/main" id="{62A6DDAE-4BF6-6284-F4C3-99A1265E941F}"/>
               </a:ext>
             </a:extLst>
           </p:cNvPr>
@@ -5866,21 +5922,62 @@
           <p:nvPr/>
         </p:nvPicPr>
         <p:blipFill>
-          <a:blip r:embed="rId7"/>
+          <a:blip r:embed="rId5"/>
           <a:stretch>
             <a:fillRect/>
           </a:stretch>
         </p:blipFill>
         <p:spPr>
           <a:xfrm>
-            <a:off x="1424609" y="6425006"/>
-            <a:ext cx="1646582" cy="383831"/>
+            <a:off x="0" y="6316398"/>
+            <a:ext cx="1844307" cy="541601"/>
           </a:xfrm>
           <a:prstGeom prst="rect">
             <a:avLst/>
           </a:prstGeom>
         </p:spPr>
       </p:pic>
+      <p:cxnSp>
+        <p:nvCxnSpPr>
+          <p:cNvPr id="13" name="Straight Connector 12">
+            <a:extLst>
+              <a:ext uri="{FF2B5EF4-FFF2-40B4-BE49-F238E27FC236}">
+                <a16:creationId xmlns:a16="http://schemas.microsoft.com/office/drawing/2014/main" id="{3E5B7D83-5D55-5B13-EC86-62BACC539068}"/>
+              </a:ext>
+            </a:extLst>
+          </p:cNvPr>
+          <p:cNvCxnSpPr/>
+          <p:nvPr/>
+        </p:nvCxnSpPr>
+        <p:spPr>
+          <a:xfrm>
+            <a:off x="1788340" y="6463693"/>
+            <a:ext cx="0" cy="257782"/>
+          </a:xfrm>
+          <a:prstGeom prst="line">
+            <a:avLst/>
+          </a:prstGeom>
+          <a:ln>
+            <a:solidFill>
+              <a:schemeClr val="bg1"/>
+            </a:solidFill>
+          </a:ln>
+        </p:spPr>
+        <p:style>
+          <a:lnRef idx="1">
+            <a:schemeClr val="accent1"/>
+          </a:lnRef>
+          <a:fillRef idx="0">
+            <a:schemeClr val="accent1"/>
+          </a:fillRef>
+          <a:effectRef idx="0">
+            <a:schemeClr val="accent1"/>
+          </a:effectRef>
+          <a:fontRef idx="minor">
+            <a:schemeClr val="tx1"/>
+          </a:fontRef>
+        </p:style>
+      </p:cxnSp>
     </p:spTree>
     <p:extLst>
       <p:ext uri="{BB962C8B-B14F-4D97-AF65-F5344CB8AC3E}">
@@ -5942,47 +6039,71 @@
             <a:pPr algn="ctr"/>
             <a:r>
               <a:rPr lang="en-US" altLang="zh-CN" sz="2800" b="1" dirty="0">
+                <a:solidFill>
+                  <a:srgbClr val="5C004D"/>
+                </a:solidFill>
                 <a:latin typeface="Helvetica" pitchFamily="2" charset="0"/>
               </a:rPr>
               <a:t>Study</a:t>
             </a:r>
             <a:r>
               <a:rPr lang="zh-CN" altLang="en-US" sz="2800" b="1" dirty="0">
+                <a:solidFill>
+                  <a:srgbClr val="5C004D"/>
+                </a:solidFill>
                 <a:latin typeface="Helvetica" pitchFamily="2" charset="0"/>
               </a:rPr>
               <a:t> </a:t>
             </a:r>
             <a:r>
               <a:rPr lang="en-US" altLang="zh-CN" sz="2800" b="1" dirty="0">
+                <a:solidFill>
+                  <a:srgbClr val="5C004D"/>
+                </a:solidFill>
                 <a:latin typeface="Helvetica" pitchFamily="2" charset="0"/>
               </a:rPr>
               <a:t>design</a:t>
             </a:r>
             <a:r>
               <a:rPr lang="zh-CN" altLang="en-US" sz="2800" b="1" dirty="0">
+                <a:solidFill>
+                  <a:srgbClr val="5C004D"/>
+                </a:solidFill>
                 <a:latin typeface="Helvetica" pitchFamily="2" charset="0"/>
               </a:rPr>
               <a:t> </a:t>
             </a:r>
             <a:r>
               <a:rPr lang="en-US" altLang="zh-CN" sz="2800" b="1" dirty="0">
+                <a:solidFill>
+                  <a:srgbClr val="5C004D"/>
+                </a:solidFill>
                 <a:latin typeface="Helvetica" pitchFamily="2" charset="0"/>
               </a:rPr>
               <a:t>and</a:t>
             </a:r>
             <a:r>
               <a:rPr lang="zh-CN" altLang="en-US" sz="2800" b="1" dirty="0">
+                <a:solidFill>
+                  <a:srgbClr val="5C004D"/>
+                </a:solidFill>
                 <a:latin typeface="Helvetica" pitchFamily="2" charset="0"/>
               </a:rPr>
               <a:t> </a:t>
             </a:r>
             <a:r>
               <a:rPr lang="en-US" altLang="zh-CN" sz="2800" b="1" dirty="0">
+                <a:solidFill>
+                  <a:srgbClr val="5C004D"/>
+                </a:solidFill>
                 <a:latin typeface="Helvetica" pitchFamily="2" charset="0"/>
               </a:rPr>
               <a:t>overview</a:t>
             </a:r>
             <a:endParaRPr lang="en-US" sz="2800" b="1" dirty="0">
+              <a:solidFill>
+                <a:srgbClr val="5C004D"/>
+              </a:solidFill>
               <a:latin typeface="Helvetica" pitchFamily="2" charset="0"/>
             </a:endParaRPr>
           </a:p>
@@ -6019,10 +6140,10 @@
       </p:sp>
       <p:pic>
         <p:nvPicPr>
-          <p:cNvPr id="3" name="Picture 2">
-            <a:extLst>
-              <a:ext uri="{FF2B5EF4-FFF2-40B4-BE49-F238E27FC236}">
-                <a16:creationId xmlns:a16="http://schemas.microsoft.com/office/drawing/2014/main" id="{AEF2D162-B58F-A567-462E-05236DBBBE65}"/>
+          <p:cNvPr id="4" name="Picture 3">
+            <a:extLst>
+              <a:ext uri="{FF2B5EF4-FFF2-40B4-BE49-F238E27FC236}">
+                <a16:creationId xmlns:a16="http://schemas.microsoft.com/office/drawing/2014/main" id="{9D1DC322-C1C2-C273-F587-BE50800845A4}"/>
               </a:ext>
             </a:extLst>
           </p:cNvPr>
@@ -6039,8 +6160,8 @@
         </p:blipFill>
         <p:spPr>
           <a:xfrm>
-            <a:off x="102093" y="6371728"/>
-            <a:ext cx="1218708" cy="437110"/>
+            <a:off x="1844310" y="6463693"/>
+            <a:ext cx="1059646" cy="247012"/>
           </a:xfrm>
           <a:prstGeom prst="rect">
             <a:avLst/>
@@ -6052,7 +6173,7 @@
           <p:cNvPr id="2" name="Picture 1">
             <a:extLst>
               <a:ext uri="{FF2B5EF4-FFF2-40B4-BE49-F238E27FC236}">
-                <a16:creationId xmlns:a16="http://schemas.microsoft.com/office/drawing/2014/main" id="{C82E30EB-3935-F34F-2C5B-381F9B2682DF}"/>
+                <a16:creationId xmlns:a16="http://schemas.microsoft.com/office/drawing/2014/main" id="{DB2CAA9E-BF75-C519-C81A-2584E4AF9291}"/>
               </a:ext>
             </a:extLst>
           </p:cNvPr>
@@ -6069,14 +6190,55 @@
         </p:blipFill>
         <p:spPr>
           <a:xfrm>
-            <a:off x="1424609" y="6425006"/>
-            <a:ext cx="1646582" cy="383831"/>
+            <a:off x="0" y="6316399"/>
+            <a:ext cx="1844310" cy="541601"/>
           </a:xfrm>
           <a:prstGeom prst="rect">
             <a:avLst/>
           </a:prstGeom>
         </p:spPr>
       </p:pic>
+      <p:cxnSp>
+        <p:nvCxnSpPr>
+          <p:cNvPr id="7" name="Straight Connector 6">
+            <a:extLst>
+              <a:ext uri="{FF2B5EF4-FFF2-40B4-BE49-F238E27FC236}">
+                <a16:creationId xmlns:a16="http://schemas.microsoft.com/office/drawing/2014/main" id="{9B145A59-71E9-F1B1-6800-3198709CFF5E}"/>
+              </a:ext>
+            </a:extLst>
+          </p:cNvPr>
+          <p:cNvCxnSpPr/>
+          <p:nvPr/>
+        </p:nvCxnSpPr>
+        <p:spPr>
+          <a:xfrm>
+            <a:off x="1788340" y="6463693"/>
+            <a:ext cx="0" cy="257782"/>
+          </a:xfrm>
+          <a:prstGeom prst="line">
+            <a:avLst/>
+          </a:prstGeom>
+          <a:ln>
+            <a:solidFill>
+              <a:srgbClr val="5C004D"/>
+            </a:solidFill>
+          </a:ln>
+        </p:spPr>
+        <p:style>
+          <a:lnRef idx="1">
+            <a:schemeClr val="accent1"/>
+          </a:lnRef>
+          <a:fillRef idx="0">
+            <a:schemeClr val="accent1"/>
+          </a:fillRef>
+          <a:effectRef idx="0">
+            <a:schemeClr val="accent1"/>
+          </a:effectRef>
+          <a:fontRef idx="minor">
+            <a:schemeClr val="tx1"/>
+          </a:fontRef>
+        </p:style>
+      </p:cxnSp>
     </p:spTree>
     <p:extLst>
       <p:ext uri="{BB962C8B-B14F-4D97-AF65-F5344CB8AC3E}">
@@ -6222,10 +6384,10 @@
       </p:sp>
       <p:pic>
         <p:nvPicPr>
-          <p:cNvPr id="14" name="Picture 13">
-            <a:extLst>
-              <a:ext uri="{FF2B5EF4-FFF2-40B4-BE49-F238E27FC236}">
-                <a16:creationId xmlns:a16="http://schemas.microsoft.com/office/drawing/2014/main" id="{A3FAA6D4-E92C-8032-D718-39CEB4761D9D}"/>
+          <p:cNvPr id="18" name="Picture 17">
+            <a:extLst>
+              <a:ext uri="{FF2B5EF4-FFF2-40B4-BE49-F238E27FC236}">
+                <a16:creationId xmlns:a16="http://schemas.microsoft.com/office/drawing/2014/main" id="{D6B9E35A-10B1-407E-2309-C99162F2C200}"/>
               </a:ext>
             </a:extLst>
           </p:cNvPr>
@@ -6236,664 +6398,6 @@
         </p:nvPicPr>
         <p:blipFill>
           <a:blip r:embed="rId4"/>
-          <a:stretch>
-            <a:fillRect/>
-          </a:stretch>
-        </p:blipFill>
-        <p:spPr>
-          <a:xfrm>
-            <a:off x="9738998" y="109478"/>
-            <a:ext cx="2367550" cy="849161"/>
-          </a:xfrm>
-          <a:prstGeom prst="rect">
-            <a:avLst/>
-          </a:prstGeom>
-        </p:spPr>
-      </p:pic>
-      <p:sp>
-        <p:nvSpPr>
-          <p:cNvPr id="15" name="TextBox 14">
-            <a:extLst>
-              <a:ext uri="{FF2B5EF4-FFF2-40B4-BE49-F238E27FC236}">
-                <a16:creationId xmlns:a16="http://schemas.microsoft.com/office/drawing/2014/main" id="{68515044-2DC5-F1E9-6308-45BAB980DD5F}"/>
-              </a:ext>
-            </a:extLst>
-          </p:cNvPr>
-          <p:cNvSpPr txBox="1"/>
-          <p:nvPr/>
-        </p:nvSpPr>
-        <p:spPr>
-          <a:xfrm>
-            <a:off x="0" y="1055406"/>
-            <a:ext cx="8358809" cy="1323439"/>
-          </a:xfrm>
-          <a:prstGeom prst="rect">
-            <a:avLst/>
-          </a:prstGeom>
-          <a:noFill/>
-        </p:spPr>
-        <p:txBody>
-          <a:bodyPr wrap="square" rtlCol="0">
-            <a:spAutoFit/>
-          </a:bodyPr>
-          <a:lstStyle/>
-          <a:p>
-            <a:r>
-              <a:rPr lang="en-US" altLang="zh-CN" sz="4000" b="1" dirty="0">
-                <a:solidFill>
-                  <a:schemeClr val="bg1"/>
-                </a:solidFill>
-                <a:latin typeface="Helvetica" pitchFamily="2" charset="0"/>
-              </a:rPr>
-              <a:t>Thank</a:t>
-            </a:r>
-            <a:r>
-              <a:rPr lang="zh-CN" altLang="en-US" sz="4000" b="1" dirty="0">
-                <a:solidFill>
-                  <a:schemeClr val="bg1"/>
-                </a:solidFill>
-                <a:latin typeface="Helvetica" pitchFamily="2" charset="0"/>
-              </a:rPr>
-              <a:t> </a:t>
-            </a:r>
-            <a:r>
-              <a:rPr lang="en-US" altLang="zh-CN" sz="4000" b="1" dirty="0">
-                <a:solidFill>
-                  <a:schemeClr val="bg1"/>
-                </a:solidFill>
-                <a:latin typeface="Helvetica" pitchFamily="2" charset="0"/>
-              </a:rPr>
-              <a:t>You</a:t>
-            </a:r>
-            <a:r>
-              <a:rPr lang="zh-CN" altLang="en-US" sz="4000" b="1" dirty="0">
-                <a:solidFill>
-                  <a:schemeClr val="bg1"/>
-                </a:solidFill>
-                <a:latin typeface="Helvetica" pitchFamily="2" charset="0"/>
-              </a:rPr>
-              <a:t> </a:t>
-            </a:r>
-            <a:r>
-              <a:rPr lang="en-US" altLang="zh-CN" sz="4000" b="1" dirty="0">
-                <a:solidFill>
-                  <a:schemeClr val="bg1"/>
-                </a:solidFill>
-                <a:latin typeface="Helvetica" pitchFamily="2" charset="0"/>
-              </a:rPr>
-              <a:t>For</a:t>
-            </a:r>
-            <a:r>
-              <a:rPr lang="zh-CN" altLang="en-US" sz="4000" b="1" dirty="0">
-                <a:solidFill>
-                  <a:schemeClr val="bg1"/>
-                </a:solidFill>
-                <a:latin typeface="Helvetica" pitchFamily="2" charset="0"/>
-              </a:rPr>
-              <a:t> </a:t>
-            </a:r>
-            <a:r>
-              <a:rPr lang="en-US" altLang="zh-CN" sz="4000" b="1" dirty="0">
-                <a:solidFill>
-                  <a:schemeClr val="bg1"/>
-                </a:solidFill>
-                <a:latin typeface="Helvetica" pitchFamily="2" charset="0"/>
-              </a:rPr>
-              <a:t>Your</a:t>
-            </a:r>
-            <a:r>
-              <a:rPr lang="zh-CN" altLang="en-US" sz="4000" b="1" dirty="0">
-                <a:solidFill>
-                  <a:schemeClr val="bg1"/>
-                </a:solidFill>
-                <a:latin typeface="Helvetica" pitchFamily="2" charset="0"/>
-              </a:rPr>
-              <a:t> </a:t>
-            </a:r>
-            <a:r>
-              <a:rPr lang="en-US" altLang="zh-CN" sz="4000" b="1" dirty="0">
-                <a:solidFill>
-                  <a:schemeClr val="bg1"/>
-                </a:solidFill>
-                <a:latin typeface="Helvetica" pitchFamily="2" charset="0"/>
-              </a:rPr>
-              <a:t>Attention!</a:t>
-            </a:r>
-          </a:p>
-          <a:p>
-            <a:r>
-              <a:rPr lang="en-US" altLang="zh-CN" sz="4000" b="1" dirty="0">
-                <a:solidFill>
-                  <a:schemeClr val="bg1"/>
-                </a:solidFill>
-                <a:latin typeface="Helvetica" pitchFamily="2" charset="0"/>
-              </a:rPr>
-              <a:t>Q&amp;A</a:t>
-            </a:r>
-            <a:endParaRPr lang="en-US" sz="4000" b="1" dirty="0">
-              <a:solidFill>
-                <a:schemeClr val="bg1"/>
-              </a:solidFill>
-              <a:latin typeface="Helvetica" pitchFamily="2" charset="0"/>
-            </a:endParaRPr>
-          </a:p>
-        </p:txBody>
-      </p:sp>
-      <p:sp>
-        <p:nvSpPr>
-          <p:cNvPr id="16" name="TextBox 15">
-            <a:extLst>
-              <a:ext uri="{FF2B5EF4-FFF2-40B4-BE49-F238E27FC236}">
-                <a16:creationId xmlns:a16="http://schemas.microsoft.com/office/drawing/2014/main" id="{4DED57B4-106B-1DCB-9482-0BE3FBB19EF3}"/>
-              </a:ext>
-            </a:extLst>
-          </p:cNvPr>
-          <p:cNvSpPr txBox="1"/>
-          <p:nvPr/>
-        </p:nvSpPr>
-        <p:spPr>
-          <a:xfrm>
-            <a:off x="128216" y="3075985"/>
-            <a:ext cx="12063763" cy="1692771"/>
-          </a:xfrm>
-          <a:prstGeom prst="rect">
-            <a:avLst/>
-          </a:prstGeom>
-          <a:noFill/>
-        </p:spPr>
-        <p:txBody>
-          <a:bodyPr wrap="square" rtlCol="0">
-            <a:spAutoFit/>
-          </a:bodyPr>
-          <a:lstStyle/>
-          <a:p>
-            <a:r>
-              <a:rPr lang="en-US" altLang="zh-CN" sz="2400" b="1" dirty="0">
-                <a:solidFill>
-                  <a:schemeClr val="accent3">
-                    <a:lumMod val="20000"/>
-                    <a:lumOff val="80000"/>
-                  </a:schemeClr>
-                </a:solidFill>
-                <a:latin typeface="Helvetica" pitchFamily="2" charset="0"/>
-              </a:rPr>
-              <a:t>Xiaotao</a:t>
-            </a:r>
-            <a:r>
-              <a:rPr lang="zh-CN" altLang="en-US" sz="2400" b="1" dirty="0">
-                <a:solidFill>
-                  <a:schemeClr val="accent3">
-                    <a:lumMod val="20000"/>
-                    <a:lumOff val="80000"/>
-                  </a:schemeClr>
-                </a:solidFill>
-                <a:latin typeface="Helvetica" pitchFamily="2" charset="0"/>
-              </a:rPr>
-              <a:t> </a:t>
-            </a:r>
-            <a:r>
-              <a:rPr lang="en-US" altLang="zh-CN" sz="2400" b="1" dirty="0">
-                <a:solidFill>
-                  <a:schemeClr val="accent3">
-                    <a:lumMod val="20000"/>
-                    <a:lumOff val="80000"/>
-                  </a:schemeClr>
-                </a:solidFill>
-                <a:latin typeface="Helvetica" pitchFamily="2" charset="0"/>
-              </a:rPr>
-              <a:t>Shen,</a:t>
-            </a:r>
-            <a:r>
-              <a:rPr lang="zh-CN" altLang="en-US" sz="2400" b="1" dirty="0">
-                <a:solidFill>
-                  <a:schemeClr val="accent3">
-                    <a:lumMod val="20000"/>
-                    <a:lumOff val="80000"/>
-                  </a:schemeClr>
-                </a:solidFill>
-                <a:latin typeface="Helvetica" pitchFamily="2" charset="0"/>
-              </a:rPr>
-              <a:t> </a:t>
-            </a:r>
-            <a:r>
-              <a:rPr lang="en-US" altLang="zh-CN" sz="2400" b="1" dirty="0">
-                <a:solidFill>
-                  <a:schemeClr val="accent3">
-                    <a:lumMod val="20000"/>
-                    <a:lumOff val="80000"/>
-                  </a:schemeClr>
-                </a:solidFill>
-                <a:latin typeface="Helvetica" pitchFamily="2" charset="0"/>
-              </a:rPr>
-              <a:t>Ph.D.</a:t>
-            </a:r>
-          </a:p>
-          <a:p>
-            <a:endParaRPr lang="en-US" altLang="zh-CN" sz="2000" dirty="0">
-              <a:solidFill>
-                <a:schemeClr val="accent3">
-                  <a:lumMod val="20000"/>
-                  <a:lumOff val="80000"/>
-                </a:schemeClr>
-              </a:solidFill>
-              <a:latin typeface="Helvetica" pitchFamily="2" charset="0"/>
-            </a:endParaRPr>
-          </a:p>
-          <a:p>
-            <a:r>
-              <a:rPr lang="en-US" altLang="zh-CN" sz="2000" dirty="0">
-                <a:solidFill>
-                  <a:schemeClr val="accent3">
-                    <a:lumMod val="20000"/>
-                    <a:lumOff val="80000"/>
-                  </a:schemeClr>
-                </a:solidFill>
-                <a:latin typeface="Helvetica" pitchFamily="2" charset="0"/>
-              </a:rPr>
-              <a:t>Nanyang</a:t>
-            </a:r>
-            <a:r>
-              <a:rPr lang="zh-CN" altLang="en-US" sz="2000" dirty="0">
-                <a:solidFill>
-                  <a:schemeClr val="accent3">
-                    <a:lumMod val="20000"/>
-                    <a:lumOff val="80000"/>
-                  </a:schemeClr>
-                </a:solidFill>
-                <a:latin typeface="Helvetica" pitchFamily="2" charset="0"/>
-              </a:rPr>
-              <a:t> </a:t>
-            </a:r>
-            <a:r>
-              <a:rPr lang="en-US" altLang="zh-CN" sz="2000" dirty="0">
-                <a:solidFill>
-                  <a:schemeClr val="accent3">
-                    <a:lumMod val="20000"/>
-                    <a:lumOff val="80000"/>
-                  </a:schemeClr>
-                </a:solidFill>
-                <a:latin typeface="Helvetica" pitchFamily="2" charset="0"/>
-              </a:rPr>
-              <a:t>Assistant</a:t>
-            </a:r>
-            <a:r>
-              <a:rPr lang="zh-CN" altLang="en-US" sz="2000" dirty="0">
-                <a:solidFill>
-                  <a:schemeClr val="accent3">
-                    <a:lumMod val="20000"/>
-                    <a:lumOff val="80000"/>
-                  </a:schemeClr>
-                </a:solidFill>
-                <a:latin typeface="Helvetica" pitchFamily="2" charset="0"/>
-              </a:rPr>
-              <a:t> </a:t>
-            </a:r>
-            <a:r>
-              <a:rPr lang="en-US" altLang="zh-CN" sz="2000" dirty="0">
-                <a:solidFill>
-                  <a:schemeClr val="accent3">
-                    <a:lumMod val="20000"/>
-                    <a:lumOff val="80000"/>
-                  </a:schemeClr>
-                </a:solidFill>
-                <a:latin typeface="Helvetica" pitchFamily="2" charset="0"/>
-              </a:rPr>
-              <a:t>Professor</a:t>
-            </a:r>
-          </a:p>
-          <a:p>
-            <a:r>
-              <a:rPr lang="en-US" altLang="zh-CN" sz="2000" dirty="0">
-                <a:solidFill>
-                  <a:schemeClr val="accent3">
-                    <a:lumMod val="20000"/>
-                    <a:lumOff val="80000"/>
-                  </a:schemeClr>
-                </a:solidFill>
-                <a:latin typeface="Helvetica" pitchFamily="2" charset="0"/>
-              </a:rPr>
-              <a:t>Lee</a:t>
-            </a:r>
-            <a:r>
-              <a:rPr lang="zh-CN" altLang="en-US" sz="2000" dirty="0">
-                <a:solidFill>
-                  <a:schemeClr val="accent3">
-                    <a:lumMod val="20000"/>
-                    <a:lumOff val="80000"/>
-                  </a:schemeClr>
-                </a:solidFill>
-                <a:latin typeface="Helvetica" pitchFamily="2" charset="0"/>
-              </a:rPr>
-              <a:t> </a:t>
-            </a:r>
-            <a:r>
-              <a:rPr lang="en-US" altLang="zh-CN" sz="2000" dirty="0">
-                <a:solidFill>
-                  <a:schemeClr val="accent3">
-                    <a:lumMod val="20000"/>
-                    <a:lumOff val="80000"/>
-                  </a:schemeClr>
-                </a:solidFill>
-                <a:latin typeface="Helvetica" pitchFamily="2" charset="0"/>
-              </a:rPr>
-              <a:t>Kong</a:t>
-            </a:r>
-            <a:r>
-              <a:rPr lang="zh-CN" altLang="en-US" sz="2000" dirty="0">
-                <a:solidFill>
-                  <a:schemeClr val="accent3">
-                    <a:lumMod val="20000"/>
-                    <a:lumOff val="80000"/>
-                  </a:schemeClr>
-                </a:solidFill>
-                <a:latin typeface="Helvetica" pitchFamily="2" charset="0"/>
-              </a:rPr>
-              <a:t> </a:t>
-            </a:r>
-            <a:r>
-              <a:rPr lang="en-US" altLang="zh-CN" sz="2000" dirty="0">
-                <a:solidFill>
-                  <a:schemeClr val="accent3">
-                    <a:lumMod val="20000"/>
-                    <a:lumOff val="80000"/>
-                  </a:schemeClr>
-                </a:solidFill>
-                <a:latin typeface="Helvetica" pitchFamily="2" charset="0"/>
-              </a:rPr>
-              <a:t>Chian</a:t>
-            </a:r>
-            <a:r>
-              <a:rPr lang="zh-CN" altLang="en-US" sz="2000" dirty="0">
-                <a:solidFill>
-                  <a:schemeClr val="accent3">
-                    <a:lumMod val="20000"/>
-                    <a:lumOff val="80000"/>
-                  </a:schemeClr>
-                </a:solidFill>
-                <a:latin typeface="Helvetica" pitchFamily="2" charset="0"/>
-              </a:rPr>
-              <a:t> </a:t>
-            </a:r>
-            <a:r>
-              <a:rPr lang="en-US" altLang="zh-CN" sz="2000" dirty="0">
-                <a:solidFill>
-                  <a:schemeClr val="accent3">
-                    <a:lumMod val="20000"/>
-                    <a:lumOff val="80000"/>
-                  </a:schemeClr>
-                </a:solidFill>
-                <a:latin typeface="Helvetica" pitchFamily="2" charset="0"/>
-              </a:rPr>
-              <a:t>School</a:t>
-            </a:r>
-            <a:r>
-              <a:rPr lang="zh-CN" altLang="en-US" sz="2000" dirty="0">
-                <a:solidFill>
-                  <a:schemeClr val="accent3">
-                    <a:lumMod val="20000"/>
-                    <a:lumOff val="80000"/>
-                  </a:schemeClr>
-                </a:solidFill>
-                <a:latin typeface="Helvetica" pitchFamily="2" charset="0"/>
-              </a:rPr>
-              <a:t> </a:t>
-            </a:r>
-            <a:r>
-              <a:rPr lang="en-US" altLang="zh-CN" sz="2000" dirty="0">
-                <a:solidFill>
-                  <a:schemeClr val="accent3">
-                    <a:lumMod val="20000"/>
-                    <a:lumOff val="80000"/>
-                  </a:schemeClr>
-                </a:solidFill>
-                <a:latin typeface="Helvetica" pitchFamily="2" charset="0"/>
-              </a:rPr>
-              <a:t>of</a:t>
-            </a:r>
-            <a:r>
-              <a:rPr lang="zh-CN" altLang="en-US" sz="2000" dirty="0">
-                <a:solidFill>
-                  <a:schemeClr val="accent3">
-                    <a:lumMod val="20000"/>
-                    <a:lumOff val="80000"/>
-                  </a:schemeClr>
-                </a:solidFill>
-                <a:latin typeface="Helvetica" pitchFamily="2" charset="0"/>
-              </a:rPr>
-              <a:t> </a:t>
-            </a:r>
-            <a:r>
-              <a:rPr lang="en-US" altLang="zh-CN" sz="2000" dirty="0">
-                <a:solidFill>
-                  <a:schemeClr val="accent3">
-                    <a:lumMod val="20000"/>
-                    <a:lumOff val="80000"/>
-                  </a:schemeClr>
-                </a:solidFill>
-                <a:latin typeface="Helvetica" pitchFamily="2" charset="0"/>
-              </a:rPr>
-              <a:t>Medicine</a:t>
-            </a:r>
-          </a:p>
-          <a:p>
-            <a:r>
-              <a:rPr lang="en-US" altLang="zh-CN" sz="2000" dirty="0">
-                <a:solidFill>
-                  <a:schemeClr val="accent3">
-                    <a:lumMod val="20000"/>
-                    <a:lumOff val="80000"/>
-                  </a:schemeClr>
-                </a:solidFill>
-                <a:latin typeface="Helvetica" pitchFamily="2" charset="0"/>
-              </a:rPr>
-              <a:t>Nanyang</a:t>
-            </a:r>
-            <a:r>
-              <a:rPr lang="zh-CN" altLang="en-US" sz="2000" dirty="0">
-                <a:solidFill>
-                  <a:schemeClr val="accent3">
-                    <a:lumMod val="20000"/>
-                    <a:lumOff val="80000"/>
-                  </a:schemeClr>
-                </a:solidFill>
-                <a:latin typeface="Helvetica" pitchFamily="2" charset="0"/>
-              </a:rPr>
-              <a:t> </a:t>
-            </a:r>
-            <a:r>
-              <a:rPr lang="en-US" altLang="zh-CN" sz="2000" dirty="0">
-                <a:solidFill>
-                  <a:schemeClr val="accent3">
-                    <a:lumMod val="20000"/>
-                    <a:lumOff val="80000"/>
-                  </a:schemeClr>
-                </a:solidFill>
-                <a:latin typeface="Helvetica" pitchFamily="2" charset="0"/>
-              </a:rPr>
-              <a:t>Technological</a:t>
-            </a:r>
-            <a:r>
-              <a:rPr lang="zh-CN" altLang="en-US" sz="2000" dirty="0">
-                <a:solidFill>
-                  <a:schemeClr val="accent3">
-                    <a:lumMod val="20000"/>
-                    <a:lumOff val="80000"/>
-                  </a:schemeClr>
-                </a:solidFill>
-                <a:latin typeface="Helvetica" pitchFamily="2" charset="0"/>
-              </a:rPr>
-              <a:t> </a:t>
-            </a:r>
-            <a:r>
-              <a:rPr lang="en-US" altLang="zh-CN" sz="2000" dirty="0">
-                <a:solidFill>
-                  <a:schemeClr val="accent3">
-                    <a:lumMod val="20000"/>
-                    <a:lumOff val="80000"/>
-                  </a:schemeClr>
-                </a:solidFill>
-                <a:latin typeface="Helvetica" pitchFamily="2" charset="0"/>
-              </a:rPr>
-              <a:t>University,</a:t>
-            </a:r>
-            <a:r>
-              <a:rPr lang="zh-CN" altLang="en-US" sz="2000" dirty="0">
-                <a:solidFill>
-                  <a:schemeClr val="accent3">
-                    <a:lumMod val="20000"/>
-                    <a:lumOff val="80000"/>
-                  </a:schemeClr>
-                </a:solidFill>
-                <a:latin typeface="Helvetica" pitchFamily="2" charset="0"/>
-              </a:rPr>
-              <a:t> </a:t>
-            </a:r>
-            <a:r>
-              <a:rPr lang="en-US" altLang="zh-CN" sz="2000" dirty="0">
-                <a:solidFill>
-                  <a:schemeClr val="accent3">
-                    <a:lumMod val="20000"/>
-                    <a:lumOff val="80000"/>
-                  </a:schemeClr>
-                </a:solidFill>
-                <a:latin typeface="Helvetica" pitchFamily="2" charset="0"/>
-              </a:rPr>
-              <a:t>Singapore</a:t>
-            </a:r>
-            <a:r>
-              <a:rPr lang="zh-CN" altLang="en-US" sz="2000" dirty="0">
-                <a:solidFill>
-                  <a:schemeClr val="accent3">
-                    <a:lumMod val="20000"/>
-                    <a:lumOff val="80000"/>
-                  </a:schemeClr>
-                </a:solidFill>
-                <a:latin typeface="Helvetica" pitchFamily="2" charset="0"/>
-              </a:rPr>
-              <a:t> </a:t>
-            </a:r>
-            <a:endParaRPr lang="en-US" altLang="zh-CN" sz="2000" dirty="0">
-              <a:solidFill>
-                <a:schemeClr val="accent3">
-                  <a:lumMod val="20000"/>
-                  <a:lumOff val="80000"/>
-                </a:schemeClr>
-              </a:solidFill>
-              <a:latin typeface="Helvetica" pitchFamily="2" charset="0"/>
-            </a:endParaRPr>
-          </a:p>
-        </p:txBody>
-      </p:sp>
-      <p:sp>
-        <p:nvSpPr>
-          <p:cNvPr id="17" name="TextBox 16">
-            <a:extLst>
-              <a:ext uri="{FF2B5EF4-FFF2-40B4-BE49-F238E27FC236}">
-                <a16:creationId xmlns:a16="http://schemas.microsoft.com/office/drawing/2014/main" id="{A5E8B89A-A4D8-0EB0-3EF7-2C6E9A50DE8B}"/>
-              </a:ext>
-            </a:extLst>
-          </p:cNvPr>
-          <p:cNvSpPr txBox="1"/>
-          <p:nvPr/>
-        </p:nvSpPr>
-        <p:spPr>
-          <a:xfrm>
-            <a:off x="146302" y="5011501"/>
-            <a:ext cx="7735821" cy="400110"/>
-          </a:xfrm>
-          <a:prstGeom prst="rect">
-            <a:avLst/>
-          </a:prstGeom>
-          <a:noFill/>
-        </p:spPr>
-        <p:txBody>
-          <a:bodyPr wrap="square" rtlCol="0">
-            <a:spAutoFit/>
-          </a:bodyPr>
-          <a:lstStyle/>
-          <a:p>
-            <a:r>
-              <a:rPr lang="en-US" altLang="zh-CN" sz="2000" dirty="0">
-                <a:solidFill>
-                  <a:schemeClr val="bg1"/>
-                </a:solidFill>
-                <a:latin typeface="Helvetica" pitchFamily="2" charset="0"/>
-              </a:rPr>
-              <a:t>May</a:t>
-            </a:r>
-            <a:r>
-              <a:rPr lang="zh-CN" altLang="en-US" sz="2000" dirty="0">
-                <a:solidFill>
-                  <a:schemeClr val="bg1"/>
-                </a:solidFill>
-                <a:latin typeface="Helvetica" pitchFamily="2" charset="0"/>
-              </a:rPr>
-              <a:t> </a:t>
-            </a:r>
-            <a:r>
-              <a:rPr lang="en-US" altLang="zh-CN" sz="2000" dirty="0">
-                <a:solidFill>
-                  <a:schemeClr val="bg1"/>
-                </a:solidFill>
-                <a:latin typeface="Helvetica" pitchFamily="2" charset="0"/>
-              </a:rPr>
-              <a:t>29</a:t>
-            </a:r>
-            <a:r>
-              <a:rPr lang="en-US" altLang="zh-CN" sz="2000" baseline="30000" dirty="0">
-                <a:solidFill>
-                  <a:schemeClr val="bg1"/>
-                </a:solidFill>
-                <a:latin typeface="Helvetica" pitchFamily="2" charset="0"/>
-              </a:rPr>
-              <a:t>th</a:t>
-            </a:r>
-            <a:r>
-              <a:rPr lang="en-US" altLang="zh-CN" sz="2000" dirty="0">
-                <a:solidFill>
-                  <a:schemeClr val="bg1"/>
-                </a:solidFill>
-                <a:latin typeface="Helvetica" pitchFamily="2" charset="0"/>
-              </a:rPr>
-              <a:t>,</a:t>
-            </a:r>
-            <a:r>
-              <a:rPr lang="zh-CN" altLang="en-US" sz="2000" dirty="0">
-                <a:solidFill>
-                  <a:schemeClr val="bg1"/>
-                </a:solidFill>
-                <a:latin typeface="Helvetica" pitchFamily="2" charset="0"/>
-              </a:rPr>
-              <a:t> </a:t>
-            </a:r>
-            <a:r>
-              <a:rPr lang="en-US" altLang="zh-CN" sz="2000" dirty="0">
-                <a:solidFill>
-                  <a:schemeClr val="bg1"/>
-                </a:solidFill>
-                <a:latin typeface="Helvetica" pitchFamily="2" charset="0"/>
-              </a:rPr>
-              <a:t>2024</a:t>
-            </a:r>
-          </a:p>
-        </p:txBody>
-      </p:sp>
-      <p:pic>
-        <p:nvPicPr>
-          <p:cNvPr id="18" name="Picture 17">
-            <a:extLst>
-              <a:ext uri="{FF2B5EF4-FFF2-40B4-BE49-F238E27FC236}">
-                <a16:creationId xmlns:a16="http://schemas.microsoft.com/office/drawing/2014/main" id="{D6B9E35A-10B1-407E-2309-C99162F2C200}"/>
-              </a:ext>
-            </a:extLst>
-          </p:cNvPr>
-          <p:cNvPicPr>
-            <a:picLocks noChangeAspect="1"/>
-          </p:cNvPicPr>
-          <p:nvPr/>
-        </p:nvPicPr>
-        <p:blipFill>
-          <a:blip r:embed="rId5"/>
           <a:stretch>
             <a:fillRect/>
           </a:stretch>
@@ -6923,7 +6427,7 @@
           <p:nvPr/>
         </p:nvPicPr>
         <p:blipFill>
-          <a:blip r:embed="rId6"/>
+          <a:blip r:embed="rId5"/>
           <a:stretch>
             <a:fillRect/>
           </a:stretch>
@@ -6953,7 +6457,7 @@
           <p:nvPr/>
         </p:nvPicPr>
         <p:blipFill>
-          <a:blip r:embed="rId7"/>
+          <a:blip r:embed="rId6"/>
           <a:stretch>
             <a:fillRect/>
           </a:stretch>
@@ -7121,7 +6625,7 @@
           <p:nvPr/>
         </p:nvPicPr>
         <p:blipFill>
-          <a:blip r:embed="rId8"/>
+          <a:blip r:embed="rId7"/>
           <a:stretch>
             <a:fillRect/>
           </a:stretch>
@@ -7184,10 +6688,40 @@
       </p:sp>
       <p:pic>
         <p:nvPicPr>
-          <p:cNvPr id="26" name="Picture 25">
-            <a:extLst>
-              <a:ext uri="{FF2B5EF4-FFF2-40B4-BE49-F238E27FC236}">
-                <a16:creationId xmlns:a16="http://schemas.microsoft.com/office/drawing/2014/main" id="{BA9894D0-D304-A89F-59C8-D5515662B561}"/>
+          <p:cNvPr id="5" name="Picture 4">
+            <a:extLst>
+              <a:ext uri="{FF2B5EF4-FFF2-40B4-BE49-F238E27FC236}">
+                <a16:creationId xmlns:a16="http://schemas.microsoft.com/office/drawing/2014/main" id="{2F72C82F-CF57-19BF-5186-A4253192651E}"/>
+              </a:ext>
+            </a:extLst>
+          </p:cNvPr>
+          <p:cNvPicPr>
+            <a:picLocks noChangeAspect="1"/>
+          </p:cNvPicPr>
+          <p:nvPr/>
+        </p:nvPicPr>
+        <p:blipFill>
+          <a:blip r:embed="rId8"/>
+          <a:stretch>
+            <a:fillRect/>
+          </a:stretch>
+        </p:blipFill>
+        <p:spPr>
+          <a:xfrm>
+            <a:off x="7882123" y="5923993"/>
+            <a:ext cx="804602" cy="810038"/>
+          </a:xfrm>
+          <a:prstGeom prst="rect">
+            <a:avLst/>
+          </a:prstGeom>
+        </p:spPr>
+      </p:pic>
+      <p:pic>
+        <p:nvPicPr>
+          <p:cNvPr id="6" name="Picture 5">
+            <a:extLst>
+              <a:ext uri="{FF2B5EF4-FFF2-40B4-BE49-F238E27FC236}">
+                <a16:creationId xmlns:a16="http://schemas.microsoft.com/office/drawing/2014/main" id="{3E375AFE-D7A2-D106-2A1E-74F49B9B665C}"/>
               </a:ext>
             </a:extLst>
           </p:cNvPr>
@@ -7204,14 +6738,648 @@
         </p:blipFill>
         <p:spPr>
           <a:xfrm>
-            <a:off x="6264696" y="5866352"/>
-            <a:ext cx="804602" cy="810038"/>
+            <a:off x="6197204" y="6150912"/>
+            <a:ext cx="1528051" cy="356201"/>
           </a:xfrm>
           <a:prstGeom prst="rect">
             <a:avLst/>
           </a:prstGeom>
         </p:spPr>
       </p:pic>
+      <p:sp>
+        <p:nvSpPr>
+          <p:cNvPr id="2" name="TextBox 1">
+            <a:extLst>
+              <a:ext uri="{FF2B5EF4-FFF2-40B4-BE49-F238E27FC236}">
+                <a16:creationId xmlns:a16="http://schemas.microsoft.com/office/drawing/2014/main" id="{525DF5A5-0A8A-2954-A4EA-25404D42BA9C}"/>
+              </a:ext>
+            </a:extLst>
+          </p:cNvPr>
+          <p:cNvSpPr txBox="1"/>
+          <p:nvPr/>
+        </p:nvSpPr>
+        <p:spPr>
+          <a:xfrm>
+            <a:off x="128216" y="3075985"/>
+            <a:ext cx="12063763" cy="2000548"/>
+          </a:xfrm>
+          <a:prstGeom prst="rect">
+            <a:avLst/>
+          </a:prstGeom>
+          <a:noFill/>
+        </p:spPr>
+        <p:txBody>
+          <a:bodyPr wrap="square" rtlCol="0">
+            <a:spAutoFit/>
+          </a:bodyPr>
+          <a:lstStyle/>
+          <a:p>
+            <a:r>
+              <a:rPr lang="en-US" altLang="zh-CN" sz="2400" b="1" dirty="0">
+                <a:solidFill>
+                  <a:schemeClr val="accent3">
+                    <a:lumMod val="20000"/>
+                    <a:lumOff val="80000"/>
+                  </a:schemeClr>
+                </a:solidFill>
+                <a:latin typeface="Helvetica" pitchFamily="2" charset="0"/>
+              </a:rPr>
+              <a:t>Xiaotao</a:t>
+            </a:r>
+            <a:r>
+              <a:rPr lang="zh-CN" altLang="en-US" sz="2400" b="1" dirty="0">
+                <a:solidFill>
+                  <a:schemeClr val="accent3">
+                    <a:lumMod val="20000"/>
+                    <a:lumOff val="80000"/>
+                  </a:schemeClr>
+                </a:solidFill>
+                <a:latin typeface="Helvetica" pitchFamily="2" charset="0"/>
+              </a:rPr>
+              <a:t> </a:t>
+            </a:r>
+            <a:r>
+              <a:rPr lang="en-US" altLang="zh-CN" sz="2400" b="1" dirty="0">
+                <a:solidFill>
+                  <a:schemeClr val="accent3">
+                    <a:lumMod val="20000"/>
+                    <a:lumOff val="80000"/>
+                  </a:schemeClr>
+                </a:solidFill>
+                <a:latin typeface="Helvetica" pitchFamily="2" charset="0"/>
+              </a:rPr>
+              <a:t>Shen,</a:t>
+            </a:r>
+            <a:r>
+              <a:rPr lang="zh-CN" altLang="en-US" sz="2400" b="1" dirty="0">
+                <a:solidFill>
+                  <a:schemeClr val="accent3">
+                    <a:lumMod val="20000"/>
+                    <a:lumOff val="80000"/>
+                  </a:schemeClr>
+                </a:solidFill>
+                <a:latin typeface="Helvetica" pitchFamily="2" charset="0"/>
+              </a:rPr>
+              <a:t> </a:t>
+            </a:r>
+            <a:r>
+              <a:rPr lang="en-US" altLang="zh-CN" sz="2400" b="1" dirty="0">
+                <a:solidFill>
+                  <a:schemeClr val="accent3">
+                    <a:lumMod val="20000"/>
+                    <a:lumOff val="80000"/>
+                  </a:schemeClr>
+                </a:solidFill>
+                <a:latin typeface="Helvetica" pitchFamily="2" charset="0"/>
+              </a:rPr>
+              <a:t>Ph.D.</a:t>
+            </a:r>
+          </a:p>
+          <a:p>
+            <a:endParaRPr lang="en-US" altLang="zh-CN" sz="2000" dirty="0">
+              <a:solidFill>
+                <a:schemeClr val="accent3">
+                  <a:lumMod val="20000"/>
+                  <a:lumOff val="80000"/>
+                </a:schemeClr>
+              </a:solidFill>
+              <a:latin typeface="Helvetica" pitchFamily="2" charset="0"/>
+            </a:endParaRPr>
+          </a:p>
+          <a:p>
+            <a:r>
+              <a:rPr lang="en-US" altLang="zh-CN" sz="2000" dirty="0">
+                <a:solidFill>
+                  <a:schemeClr val="accent3">
+                    <a:lumMod val="20000"/>
+                    <a:lumOff val="80000"/>
+                  </a:schemeClr>
+                </a:solidFill>
+                <a:latin typeface="Helvetica" pitchFamily="2" charset="0"/>
+              </a:rPr>
+              <a:t>Nanyang</a:t>
+            </a:r>
+            <a:r>
+              <a:rPr lang="zh-CN" altLang="en-US" sz="2000" dirty="0">
+                <a:solidFill>
+                  <a:schemeClr val="accent3">
+                    <a:lumMod val="20000"/>
+                    <a:lumOff val="80000"/>
+                  </a:schemeClr>
+                </a:solidFill>
+                <a:latin typeface="Helvetica" pitchFamily="2" charset="0"/>
+              </a:rPr>
+              <a:t> </a:t>
+            </a:r>
+            <a:r>
+              <a:rPr lang="en-US" altLang="zh-CN" sz="2000" dirty="0">
+                <a:solidFill>
+                  <a:schemeClr val="accent3">
+                    <a:lumMod val="20000"/>
+                    <a:lumOff val="80000"/>
+                  </a:schemeClr>
+                </a:solidFill>
+                <a:latin typeface="Helvetica" pitchFamily="2" charset="0"/>
+              </a:rPr>
+              <a:t>Assistant</a:t>
+            </a:r>
+            <a:r>
+              <a:rPr lang="zh-CN" altLang="en-US" sz="2000" dirty="0">
+                <a:solidFill>
+                  <a:schemeClr val="accent3">
+                    <a:lumMod val="20000"/>
+                    <a:lumOff val="80000"/>
+                  </a:schemeClr>
+                </a:solidFill>
+                <a:latin typeface="Helvetica" pitchFamily="2" charset="0"/>
+              </a:rPr>
+              <a:t> </a:t>
+            </a:r>
+            <a:r>
+              <a:rPr lang="en-US" altLang="zh-CN" sz="2000" dirty="0">
+                <a:solidFill>
+                  <a:schemeClr val="accent3">
+                    <a:lumMod val="20000"/>
+                    <a:lumOff val="80000"/>
+                  </a:schemeClr>
+                </a:solidFill>
+                <a:latin typeface="Helvetica" pitchFamily="2" charset="0"/>
+              </a:rPr>
+              <a:t>Professor</a:t>
+            </a:r>
+          </a:p>
+          <a:p>
+            <a:r>
+              <a:rPr lang="en-US" altLang="zh-CN" sz="2000" dirty="0">
+                <a:solidFill>
+                  <a:schemeClr val="accent3">
+                    <a:lumMod val="20000"/>
+                    <a:lumOff val="80000"/>
+                  </a:schemeClr>
+                </a:solidFill>
+                <a:latin typeface="Helvetica" pitchFamily="2" charset="0"/>
+              </a:rPr>
+              <a:t>Lee</a:t>
+            </a:r>
+            <a:r>
+              <a:rPr lang="zh-CN" altLang="en-US" sz="2000" dirty="0">
+                <a:solidFill>
+                  <a:schemeClr val="accent3">
+                    <a:lumMod val="20000"/>
+                    <a:lumOff val="80000"/>
+                  </a:schemeClr>
+                </a:solidFill>
+                <a:latin typeface="Helvetica" pitchFamily="2" charset="0"/>
+              </a:rPr>
+              <a:t> </a:t>
+            </a:r>
+            <a:r>
+              <a:rPr lang="en-US" altLang="zh-CN" sz="2000" dirty="0">
+                <a:solidFill>
+                  <a:schemeClr val="accent3">
+                    <a:lumMod val="20000"/>
+                    <a:lumOff val="80000"/>
+                  </a:schemeClr>
+                </a:solidFill>
+                <a:latin typeface="Helvetica" pitchFamily="2" charset="0"/>
+              </a:rPr>
+              <a:t>Kong</a:t>
+            </a:r>
+            <a:r>
+              <a:rPr lang="zh-CN" altLang="en-US" sz="2000" dirty="0">
+                <a:solidFill>
+                  <a:schemeClr val="accent3">
+                    <a:lumMod val="20000"/>
+                    <a:lumOff val="80000"/>
+                  </a:schemeClr>
+                </a:solidFill>
+                <a:latin typeface="Helvetica" pitchFamily="2" charset="0"/>
+              </a:rPr>
+              <a:t> </a:t>
+            </a:r>
+            <a:r>
+              <a:rPr lang="en-US" altLang="zh-CN" sz="2000" dirty="0">
+                <a:solidFill>
+                  <a:schemeClr val="accent3">
+                    <a:lumMod val="20000"/>
+                    <a:lumOff val="80000"/>
+                  </a:schemeClr>
+                </a:solidFill>
+                <a:latin typeface="Helvetica" pitchFamily="2" charset="0"/>
+              </a:rPr>
+              <a:t>Chian</a:t>
+            </a:r>
+            <a:r>
+              <a:rPr lang="zh-CN" altLang="en-US" sz="2000" dirty="0">
+                <a:solidFill>
+                  <a:schemeClr val="accent3">
+                    <a:lumMod val="20000"/>
+                    <a:lumOff val="80000"/>
+                  </a:schemeClr>
+                </a:solidFill>
+                <a:latin typeface="Helvetica" pitchFamily="2" charset="0"/>
+              </a:rPr>
+              <a:t> </a:t>
+            </a:r>
+            <a:r>
+              <a:rPr lang="en-US" altLang="zh-CN" sz="2000" dirty="0">
+                <a:solidFill>
+                  <a:schemeClr val="accent3">
+                    <a:lumMod val="20000"/>
+                    <a:lumOff val="80000"/>
+                  </a:schemeClr>
+                </a:solidFill>
+                <a:latin typeface="Helvetica" pitchFamily="2" charset="0"/>
+              </a:rPr>
+              <a:t>School</a:t>
+            </a:r>
+            <a:r>
+              <a:rPr lang="zh-CN" altLang="en-US" sz="2000" dirty="0">
+                <a:solidFill>
+                  <a:schemeClr val="accent3">
+                    <a:lumMod val="20000"/>
+                    <a:lumOff val="80000"/>
+                  </a:schemeClr>
+                </a:solidFill>
+                <a:latin typeface="Helvetica" pitchFamily="2" charset="0"/>
+              </a:rPr>
+              <a:t> </a:t>
+            </a:r>
+            <a:r>
+              <a:rPr lang="en-US" altLang="zh-CN" sz="2000" dirty="0">
+                <a:solidFill>
+                  <a:schemeClr val="accent3">
+                    <a:lumMod val="20000"/>
+                    <a:lumOff val="80000"/>
+                  </a:schemeClr>
+                </a:solidFill>
+                <a:latin typeface="Helvetica" pitchFamily="2" charset="0"/>
+              </a:rPr>
+              <a:t>of</a:t>
+            </a:r>
+            <a:r>
+              <a:rPr lang="zh-CN" altLang="en-US" sz="2000" dirty="0">
+                <a:solidFill>
+                  <a:schemeClr val="accent3">
+                    <a:lumMod val="20000"/>
+                    <a:lumOff val="80000"/>
+                  </a:schemeClr>
+                </a:solidFill>
+                <a:latin typeface="Helvetica" pitchFamily="2" charset="0"/>
+              </a:rPr>
+              <a:t> </a:t>
+            </a:r>
+            <a:r>
+              <a:rPr lang="en-US" altLang="zh-CN" sz="2000" dirty="0">
+                <a:solidFill>
+                  <a:schemeClr val="accent3">
+                    <a:lumMod val="20000"/>
+                    <a:lumOff val="80000"/>
+                  </a:schemeClr>
+                </a:solidFill>
+                <a:latin typeface="Helvetica" pitchFamily="2" charset="0"/>
+              </a:rPr>
+              <a:t>Medicine</a:t>
+            </a:r>
+            <a:r>
+              <a:rPr lang="zh-CN" altLang="en-US" sz="2000" dirty="0">
+                <a:solidFill>
+                  <a:schemeClr val="accent3">
+                    <a:lumMod val="20000"/>
+                    <a:lumOff val="80000"/>
+                  </a:schemeClr>
+                </a:solidFill>
+                <a:latin typeface="Helvetica" pitchFamily="2" charset="0"/>
+              </a:rPr>
+              <a:t> </a:t>
+            </a:r>
+            <a:r>
+              <a:rPr lang="en-US" altLang="zh-CN" sz="2000" dirty="0">
+                <a:solidFill>
+                  <a:schemeClr val="accent3">
+                    <a:lumMod val="20000"/>
+                    <a:lumOff val="80000"/>
+                  </a:schemeClr>
+                </a:solidFill>
+                <a:latin typeface="Helvetica" pitchFamily="2" charset="0"/>
+              </a:rPr>
+              <a:t>&amp;</a:t>
+            </a:r>
+          </a:p>
+          <a:p>
+            <a:r>
+              <a:rPr lang="en-US" altLang="zh-CN" sz="2000" dirty="0">
+                <a:solidFill>
+                  <a:schemeClr val="accent3">
+                    <a:lumMod val="20000"/>
+                    <a:lumOff val="80000"/>
+                  </a:schemeClr>
+                </a:solidFill>
+                <a:latin typeface="Helvetica" pitchFamily="2" charset="0"/>
+              </a:rPr>
+              <a:t>School of Chemistry, Chemical Engineering and Biotechnology</a:t>
+            </a:r>
+          </a:p>
+          <a:p>
+            <a:r>
+              <a:rPr lang="en-US" altLang="zh-CN" sz="2000" dirty="0">
+                <a:solidFill>
+                  <a:schemeClr val="accent3">
+                    <a:lumMod val="20000"/>
+                    <a:lumOff val="80000"/>
+                  </a:schemeClr>
+                </a:solidFill>
+                <a:latin typeface="Helvetica" pitchFamily="2" charset="0"/>
+              </a:rPr>
+              <a:t>Nanyang</a:t>
+            </a:r>
+            <a:r>
+              <a:rPr lang="zh-CN" altLang="en-US" sz="2000" dirty="0">
+                <a:solidFill>
+                  <a:schemeClr val="accent3">
+                    <a:lumMod val="20000"/>
+                    <a:lumOff val="80000"/>
+                  </a:schemeClr>
+                </a:solidFill>
+                <a:latin typeface="Helvetica" pitchFamily="2" charset="0"/>
+              </a:rPr>
+              <a:t> </a:t>
+            </a:r>
+            <a:r>
+              <a:rPr lang="en-US" altLang="zh-CN" sz="2000" dirty="0">
+                <a:solidFill>
+                  <a:schemeClr val="accent3">
+                    <a:lumMod val="20000"/>
+                    <a:lumOff val="80000"/>
+                  </a:schemeClr>
+                </a:solidFill>
+                <a:latin typeface="Helvetica" pitchFamily="2" charset="0"/>
+              </a:rPr>
+              <a:t>Technological</a:t>
+            </a:r>
+            <a:r>
+              <a:rPr lang="zh-CN" altLang="en-US" sz="2000" dirty="0">
+                <a:solidFill>
+                  <a:schemeClr val="accent3">
+                    <a:lumMod val="20000"/>
+                    <a:lumOff val="80000"/>
+                  </a:schemeClr>
+                </a:solidFill>
+                <a:latin typeface="Helvetica" pitchFamily="2" charset="0"/>
+              </a:rPr>
+              <a:t> </a:t>
+            </a:r>
+            <a:r>
+              <a:rPr lang="en-US" altLang="zh-CN" sz="2000" dirty="0">
+                <a:solidFill>
+                  <a:schemeClr val="accent3">
+                    <a:lumMod val="20000"/>
+                    <a:lumOff val="80000"/>
+                  </a:schemeClr>
+                </a:solidFill>
+                <a:latin typeface="Helvetica" pitchFamily="2" charset="0"/>
+              </a:rPr>
+              <a:t>University,</a:t>
+            </a:r>
+            <a:r>
+              <a:rPr lang="zh-CN" altLang="en-US" sz="2000" dirty="0">
+                <a:solidFill>
+                  <a:schemeClr val="accent3">
+                    <a:lumMod val="20000"/>
+                    <a:lumOff val="80000"/>
+                  </a:schemeClr>
+                </a:solidFill>
+                <a:latin typeface="Helvetica" pitchFamily="2" charset="0"/>
+              </a:rPr>
+              <a:t> </a:t>
+            </a:r>
+            <a:r>
+              <a:rPr lang="en-US" altLang="zh-CN" sz="2000" dirty="0">
+                <a:solidFill>
+                  <a:schemeClr val="accent3">
+                    <a:lumMod val="20000"/>
+                    <a:lumOff val="80000"/>
+                  </a:schemeClr>
+                </a:solidFill>
+                <a:latin typeface="Helvetica" pitchFamily="2" charset="0"/>
+              </a:rPr>
+              <a:t>Singapore</a:t>
+            </a:r>
+            <a:r>
+              <a:rPr lang="zh-CN" altLang="en-US" sz="2000" dirty="0">
+                <a:solidFill>
+                  <a:schemeClr val="accent3">
+                    <a:lumMod val="20000"/>
+                    <a:lumOff val="80000"/>
+                  </a:schemeClr>
+                </a:solidFill>
+                <a:latin typeface="Helvetica" pitchFamily="2" charset="0"/>
+              </a:rPr>
+              <a:t> </a:t>
+            </a:r>
+            <a:endParaRPr lang="en-US" altLang="zh-CN" sz="2000" dirty="0">
+              <a:solidFill>
+                <a:schemeClr val="accent3">
+                  <a:lumMod val="20000"/>
+                  <a:lumOff val="80000"/>
+                </a:schemeClr>
+              </a:solidFill>
+              <a:latin typeface="Helvetica" pitchFamily="2" charset="0"/>
+            </a:endParaRPr>
+          </a:p>
+        </p:txBody>
+      </p:sp>
+      <p:pic>
+        <p:nvPicPr>
+          <p:cNvPr id="3" name="Picture 2">
+            <a:extLst>
+              <a:ext uri="{FF2B5EF4-FFF2-40B4-BE49-F238E27FC236}">
+                <a16:creationId xmlns:a16="http://schemas.microsoft.com/office/drawing/2014/main" id="{14EDF713-82AB-8CB7-ADA3-B775E02E90A7}"/>
+              </a:ext>
+            </a:extLst>
+          </p:cNvPr>
+          <p:cNvPicPr>
+            <a:picLocks noChangeAspect="1"/>
+          </p:cNvPicPr>
+          <p:nvPr/>
+        </p:nvPicPr>
+        <p:blipFill>
+          <a:blip r:embed="rId10"/>
+          <a:stretch>
+            <a:fillRect/>
+          </a:stretch>
+        </p:blipFill>
+        <p:spPr>
+          <a:xfrm>
+            <a:off x="10167613" y="336978"/>
+            <a:ext cx="1804336" cy="647155"/>
+          </a:xfrm>
+          <a:prstGeom prst="rect">
+            <a:avLst/>
+          </a:prstGeom>
+        </p:spPr>
+      </p:pic>
+      <p:pic>
+        <p:nvPicPr>
+          <p:cNvPr id="4" name="Picture 3">
+            <a:extLst>
+              <a:ext uri="{FF2B5EF4-FFF2-40B4-BE49-F238E27FC236}">
+                <a16:creationId xmlns:a16="http://schemas.microsoft.com/office/drawing/2014/main" id="{C7FB4BBB-7D94-6CBE-223F-1B263CAAFC64}"/>
+              </a:ext>
+            </a:extLst>
+          </p:cNvPr>
+          <p:cNvPicPr>
+            <a:picLocks noChangeAspect="1"/>
+          </p:cNvPicPr>
+          <p:nvPr/>
+        </p:nvPicPr>
+        <p:blipFill>
+          <a:blip r:embed="rId9"/>
+          <a:stretch>
+            <a:fillRect/>
+          </a:stretch>
+        </p:blipFill>
+        <p:spPr>
+          <a:xfrm>
+            <a:off x="10176124" y="1135015"/>
+            <a:ext cx="1787315" cy="416637"/>
+          </a:xfrm>
+          <a:prstGeom prst="rect">
+            <a:avLst/>
+          </a:prstGeom>
+        </p:spPr>
+      </p:pic>
+      <p:sp>
+        <p:nvSpPr>
+          <p:cNvPr id="8" name="TextBox 7">
+            <a:extLst>
+              <a:ext uri="{FF2B5EF4-FFF2-40B4-BE49-F238E27FC236}">
+                <a16:creationId xmlns:a16="http://schemas.microsoft.com/office/drawing/2014/main" id="{4DCFEA70-91F4-FFAD-0296-71678482C7F3}"/>
+              </a:ext>
+            </a:extLst>
+          </p:cNvPr>
+          <p:cNvSpPr txBox="1"/>
+          <p:nvPr/>
+        </p:nvSpPr>
+        <p:spPr>
+          <a:xfrm>
+            <a:off x="0" y="336978"/>
+            <a:ext cx="8358809" cy="1446550"/>
+          </a:xfrm>
+          <a:prstGeom prst="rect">
+            <a:avLst/>
+          </a:prstGeom>
+          <a:noFill/>
+        </p:spPr>
+        <p:txBody>
+          <a:bodyPr wrap="square" rtlCol="0">
+            <a:spAutoFit/>
+          </a:bodyPr>
+          <a:lstStyle/>
+          <a:p>
+            <a:pPr algn="ctr"/>
+            <a:r>
+              <a:rPr lang="en-US" altLang="zh-CN" sz="4400" b="1" dirty="0">
+                <a:solidFill>
+                  <a:schemeClr val="bg1"/>
+                </a:solidFill>
+                <a:latin typeface="Helvetica" pitchFamily="2" charset="0"/>
+              </a:rPr>
+              <a:t>Thank</a:t>
+            </a:r>
+            <a:r>
+              <a:rPr lang="zh-CN" altLang="en-US" sz="4400" b="1" dirty="0">
+                <a:solidFill>
+                  <a:schemeClr val="bg1"/>
+                </a:solidFill>
+                <a:latin typeface="Helvetica" pitchFamily="2" charset="0"/>
+              </a:rPr>
+              <a:t> </a:t>
+            </a:r>
+            <a:r>
+              <a:rPr lang="en-US" altLang="zh-CN" sz="4400" b="1" dirty="0">
+                <a:solidFill>
+                  <a:schemeClr val="bg1"/>
+                </a:solidFill>
+                <a:latin typeface="Helvetica" pitchFamily="2" charset="0"/>
+              </a:rPr>
+              <a:t>You</a:t>
+            </a:r>
+            <a:r>
+              <a:rPr lang="zh-CN" altLang="en-US" sz="4400" b="1" dirty="0">
+                <a:solidFill>
+                  <a:schemeClr val="bg1"/>
+                </a:solidFill>
+                <a:latin typeface="Helvetica" pitchFamily="2" charset="0"/>
+              </a:rPr>
+              <a:t> </a:t>
+            </a:r>
+            <a:r>
+              <a:rPr lang="en-US" altLang="zh-CN" sz="4400" b="1" dirty="0">
+                <a:solidFill>
+                  <a:schemeClr val="bg1"/>
+                </a:solidFill>
+                <a:latin typeface="Helvetica" pitchFamily="2" charset="0"/>
+              </a:rPr>
+              <a:t>For</a:t>
+            </a:r>
+            <a:r>
+              <a:rPr lang="zh-CN" altLang="en-US" sz="4400" b="1" dirty="0">
+                <a:solidFill>
+                  <a:schemeClr val="bg1"/>
+                </a:solidFill>
+                <a:latin typeface="Helvetica" pitchFamily="2" charset="0"/>
+              </a:rPr>
+              <a:t> </a:t>
+            </a:r>
+            <a:r>
+              <a:rPr lang="en-US" altLang="zh-CN" sz="4400" b="1" dirty="0">
+                <a:solidFill>
+                  <a:schemeClr val="bg1"/>
+                </a:solidFill>
+                <a:latin typeface="Helvetica" pitchFamily="2" charset="0"/>
+              </a:rPr>
+              <a:t>Your</a:t>
+            </a:r>
+            <a:r>
+              <a:rPr lang="zh-CN" altLang="en-US" sz="4400" b="1" dirty="0">
+                <a:solidFill>
+                  <a:schemeClr val="bg1"/>
+                </a:solidFill>
+                <a:latin typeface="Helvetica" pitchFamily="2" charset="0"/>
+              </a:rPr>
+              <a:t> </a:t>
+            </a:r>
+            <a:r>
+              <a:rPr lang="en-US" altLang="zh-CN" sz="4400" b="1" dirty="0">
+                <a:solidFill>
+                  <a:schemeClr val="bg1"/>
+                </a:solidFill>
+                <a:latin typeface="Helvetica" pitchFamily="2" charset="0"/>
+              </a:rPr>
+              <a:t>Attention!</a:t>
+            </a:r>
+          </a:p>
+          <a:p>
+            <a:pPr algn="ctr"/>
+            <a:r>
+              <a:rPr lang="en-US" altLang="zh-CN" sz="4400" b="1" dirty="0">
+                <a:solidFill>
+                  <a:schemeClr val="bg1"/>
+                </a:solidFill>
+                <a:latin typeface="Helvetica" pitchFamily="2" charset="0"/>
+              </a:rPr>
+              <a:t>Q&amp;A</a:t>
+            </a:r>
+            <a:endParaRPr lang="en-US" sz="4400" b="1" dirty="0">
+              <a:solidFill>
+                <a:schemeClr val="bg1"/>
+              </a:solidFill>
+              <a:latin typeface="Helvetica" pitchFamily="2" charset="0"/>
+            </a:endParaRPr>
+          </a:p>
+        </p:txBody>
+      </p:sp>
     </p:spTree>
     <p:extLst>
       <p:ext uri="{BB962C8B-B14F-4D97-AF65-F5344CB8AC3E}">
